--- a/public/user/output/U201812791-刘棫欣-1.《喜马拉雅FM免费增值策略对用户留存的影响的实证研究》/output_8_1.pptx
+++ b/public/user/output/U201812791-刘棫欣-1.《喜马拉雅FM免费增值策略对用户留存的影响的实证研究》/output_8_1.pptx
@@ -3619,7 +3619,7 @@
               </a:defRPr>
             </a:pPr>
             <a:r>
-              <a:t>1. 研究数据处理</a:t>
+              <a:t>1. 数据处理</a:t>
             </a:r>
           </a:p>
         </p:txBody>
@@ -3655,7 +3655,7 @@
               </a:defRPr>
             </a:pPr>
             <a:r>
-              <a:t>- 筛选影响付费转化率指标，结合喜马拉雅FM平台特征量化转换</a:t>
+              <a:t>- 筛选影响付费转化率指标，结合喜马拉雅FM平台特征量化转换。</a:t>
             </a:r>
           </a:p>
         </p:txBody>
@@ -3727,7 +3727,7 @@
               </a:defRPr>
             </a:pPr>
             <a:r>
-              <a:t>- 解释收费节点、章节价格、是否支持VIP服务对付费转化率的影响</a:t>
+              <a:t>- 解释收费节点、章节价格、是否支持VIP服务对付费转化率的影响。</a:t>
             </a:r>
           </a:p>
         </p:txBody>
